--- a/APS/ACCH - GERENCIA CONFIGURACAO.pptx
+++ b/APS/ACCH - GERENCIA CONFIGURACAO.pptx
@@ -115,7 +115,7 @@
   </p:defaultTextStyle>
   <p:extLst>
     <p:ext uri="{EFAFB233-063F-42B5-8137-9DF3F51BA10A}">
-      <p15:sldGuideLst xmlns:p15="http://schemas.microsoft.com/office/powerpoint/2012/main" xmlns=""/>
+      <p15:sldGuideLst xmlns="" xmlns:p15="http://schemas.microsoft.com/office/powerpoint/2012/main"/>
     </p:ext>
   </p:extLst>
 </p:presentation>
@@ -3661,7 +3661,6 @@
               <a:rPr lang="pt-BR" sz="1600" dirty="0"/>
               <a:t>, passo a passo com explicação dos códigos e configurações</a:t>
             </a:r>
-            <a:endParaRPr lang="pt-BR" sz="1600" dirty="0"/>
           </a:p>
           <a:p>
             <a:r>
@@ -3672,15 +3671,7 @@
           <a:p>
             <a:r>
               <a:rPr lang="pt-BR" sz="1600" dirty="0"/>
-              <a:t> </a:t>
-            </a:r>
-            <a:r>
-              <a:rPr lang="pt-BR" sz="1600" dirty="0"/>
-              <a:t>IMPORTANTE </a:t>
-            </a:r>
-            <a:r>
-              <a:rPr lang="pt-BR" sz="1600" dirty="0"/>
-              <a:t>::. A apresentação de cada grupo deverá ser entregue via Moodle até: 28/11/2018</a:t>
+              <a:t> IMPORTANTE ::. A apresentação de cada grupo deverá ser entregue via Moodle até: 28/11/2018</a:t>
             </a:r>
           </a:p>
           <a:p>
@@ -3846,7 +3837,26 @@
             </a:br>
             <a:r>
               <a:rPr lang="pt-PT" sz="1600" b="1" dirty="0"/>
-              <a:t>JUnit é uma estrutura de software livre que foi projetada para escrever e executar testes na linguagem de programação Java</a:t>
+              <a:t>JUnit é uma estrutura de software livre que foi projetada para escrever e executar testes na linguagem de programação </a:t>
+            </a:r>
+            <a:r>
+              <a:rPr lang="pt-PT" sz="1600" b="1" dirty="0" smtClean="0"/>
+              <a:t>Java</a:t>
+            </a:r>
+          </a:p>
+          <a:p>
+            <a:pPr marL="0" indent="0">
+              <a:buNone/>
+            </a:pPr>
+            <a:endParaRPr lang="pt-PT" sz="1600" b="1" dirty="0"/>
+          </a:p>
+          <a:p>
+            <a:pPr marL="0" indent="0">
+              <a:buNone/>
+            </a:pPr>
+            <a:r>
+              <a:rPr lang="pt-PT" sz="1600" b="1" smtClean="0"/>
+              <a:t>f</a:t>
             </a:r>
             <a:endParaRPr lang="pt-BR" sz="1600" b="1" dirty="0"/>
           </a:p>
@@ -5217,7 +5227,7 @@
   <a:extraClrSchemeLst/>
   <a:extLst>
     <a:ext uri="{05A4C25C-085E-4340-85A3-A5531E510DB2}">
-      <thm15:themeFamily xmlns:thm15="http://schemas.microsoft.com/office/thememl/2012/main" xmlns="" name="Office Theme" id="{62F939B6-93AF-4DB8-9C6B-D6C7DFDC589F}" vid="{4A3C46E8-61CC-4603-A589-7422A47A8E4A}"/>
+      <thm15:themeFamily xmlns="" xmlns:thm15="http://schemas.microsoft.com/office/thememl/2012/main" name="Office Theme" id="{62F939B6-93AF-4DB8-9C6B-D6C7DFDC589F}" vid="{4A3C46E8-61CC-4603-A589-7422A47A8E4A}"/>
     </a:ext>
   </a:extLst>
 </a:theme>
